--- a/Weekly Status Updates/03-20-2019/Cairn Unify - Weekly Status Report_03202019.pptx
+++ b/Weekly Status Updates/03-20-2019/Cairn Unify - Weekly Status Report_03202019.pptx
@@ -8589,7 +8589,7 @@
           <p:nvPr>
             <p:extLst>
               <p:ext uri="{D42A27DB-BD31-4B8C-83A1-F6EECF244321}">
-                <p14:modId xmlns:p14="http://schemas.microsoft.com/office/powerpoint/2010/main" val="3313570470"/>
+                <p14:modId xmlns:p14="http://schemas.microsoft.com/office/powerpoint/2010/main" val="3051928778"/>
               </p:ext>
             </p:extLst>
           </p:nvPr>
@@ -9180,13 +9180,16 @@
                     <a:bodyPr/>
                     <a:lstStyle/>
                     <a:p>
-                      <a:endParaRPr lang="en-US" sz="1000" dirty="0">
-                        <a:solidFill>
-                          <a:schemeClr val="tx1">
-                            <a:lumMod val="50000"/>
-                          </a:schemeClr>
-                        </a:solidFill>
-                      </a:endParaRPr>
+                      <a:r>
+                        <a:rPr lang="en-US" sz="1000" dirty="0">
+                          <a:solidFill>
+                            <a:schemeClr val="tx1">
+                              <a:lumMod val="50000"/>
+                            </a:schemeClr>
+                          </a:solidFill>
+                        </a:rPr>
+                        <a:t>Learning Backend information</a:t>
+                      </a:r>
                     </a:p>
                   </a:txBody>
                   <a:tcPr marL="9144" marR="9144" marT="9144" marB="9144" horzOverflow="overflow">
@@ -9250,7 +9253,7 @@
           <p:nvPr>
             <p:extLst>
               <p:ext uri="{D42A27DB-BD31-4B8C-83A1-F6EECF244321}">
-                <p14:modId xmlns:p14="http://schemas.microsoft.com/office/powerpoint/2010/main" val="158267690"/>
+                <p14:modId xmlns:p14="http://schemas.microsoft.com/office/powerpoint/2010/main" val="302392855"/>
               </p:ext>
             </p:extLst>
           </p:nvPr>
@@ -9395,7 +9398,25 @@
                           </a:ln>
                           <a:effectLst/>
                         </a:rPr>
-                        <a:t>Upcoming Activities (Next Period through  (03/06/2019)</a:t>
+                        <a:t>Upcoming Activities (Next Period through  </a:t>
+                      </a:r>
+                      <a:r>
+                        <a:rPr kumimoji="0" lang="en-US" sz="1000" u="none" strike="noStrike" cap="none" normalizeH="0" baseline="0">
+                          <a:ln>
+                            <a:noFill/>
+                          </a:ln>
+                          <a:effectLst/>
+                        </a:rPr>
+                        <a:t>(03/27/2019</a:t>
+                      </a:r>
+                      <a:r>
+                        <a:rPr kumimoji="0" lang="en-US" sz="1000" u="none" strike="noStrike" cap="none" normalizeH="0" baseline="0" dirty="0">
+                          <a:ln>
+                            <a:noFill/>
+                          </a:ln>
+                          <a:effectLst/>
+                        </a:rPr>
+                        <a:t>)</a:t>
                       </a:r>
                       <a:endParaRPr kumimoji="0" lang="en-US" sz="1000" b="0" i="0" u="none" strike="noStrike" cap="none" normalizeH="0" baseline="0" dirty="0">
                         <a:ln>
@@ -13814,7 +13835,7 @@
         </p:nvSpPr>
         <p:spPr bwMode="auto">
           <a:xfrm>
-            <a:off x="1527757" y="4084796"/>
+            <a:off x="1556095" y="4085453"/>
             <a:ext cx="121799" cy="137401"/>
           </a:xfrm>
           <a:prstGeom prst="diamond">
